--- a/Writing/Präsentation - Kopie.pptx
+++ b/Writing/Präsentation - Kopie.pptx
@@ -1355,7 +1355,10 @@
               <a:rPr lang="de-DE" dirty="0" err="1"/>
               <a:t>labels</a:t>
             </a:r>
-            <a:endParaRPr lang="de-DE" dirty="0"/>
+            <a:r>
+              <a:rPr lang="de-DE" dirty="0"/>
+              <a:t>      END THIS AT 10 MINUTES AT THE LATEST!!!!</a:t>
+            </a:r>
           </a:p>
         </p:txBody>
       </p:sp>
@@ -1864,7 +1867,10 @@
               <a:rPr lang="de-DE" dirty="0" err="1"/>
               <a:t>overall</a:t>
             </a:r>
-            <a:endParaRPr lang="de-DE" dirty="0"/>
+            <a:r>
+              <a:rPr lang="de-DE" dirty="0"/>
+              <a:t> END AT 13 MINS AT THE LATEST!!!</a:t>
+            </a:r>
           </a:p>
         </p:txBody>
       </p:sp>
@@ -1954,7 +1960,54 @@
           <a:bodyPr/>
           <a:lstStyle/>
           <a:p>
-            <a:endParaRPr lang="de-DE" dirty="0"/>
+            <a:r>
+              <a:rPr lang="de-DE" dirty="0" err="1"/>
+              <a:t>Should</a:t>
+            </a:r>
+            <a:r>
+              <a:rPr lang="de-DE" dirty="0"/>
+              <a:t> </a:t>
+            </a:r>
+            <a:r>
+              <a:rPr lang="de-DE" dirty="0" err="1"/>
+              <a:t>start</a:t>
+            </a:r>
+            <a:r>
+              <a:rPr lang="de-DE" dirty="0"/>
+              <a:t> </a:t>
+            </a:r>
+            <a:r>
+              <a:rPr lang="de-DE" dirty="0" err="1"/>
+              <a:t>lower</a:t>
+            </a:r>
+            <a:r>
+              <a:rPr lang="de-DE" dirty="0"/>
+              <a:t> </a:t>
+            </a:r>
+            <a:r>
+              <a:rPr lang="de-DE" dirty="0" err="1"/>
+              <a:t>than</a:t>
+            </a:r>
+            <a:r>
+              <a:rPr lang="de-DE" dirty="0"/>
+              <a:t> 13 </a:t>
+            </a:r>
+            <a:r>
+              <a:rPr lang="de-DE" dirty="0" err="1"/>
+              <a:t>minutes</a:t>
+            </a:r>
+            <a:r>
+              <a:rPr lang="de-DE" dirty="0"/>
+              <a:t> </a:t>
+            </a:r>
+            <a:r>
+              <a:rPr lang="de-DE" dirty="0" err="1"/>
+              <a:t>if</a:t>
+            </a:r>
+            <a:r>
+              <a:rPr lang="de-DE" dirty="0"/>
+              <a:t> possible</a:t>
+            </a:r>
           </a:p>
         </p:txBody>
       </p:sp>
@@ -2494,7 +2547,42 @@
           <a:bodyPr/>
           <a:lstStyle/>
           <a:p>
-            <a:endParaRPr lang="de-DE" dirty="0"/>
+            <a:r>
+              <a:rPr lang="de-DE" dirty="0"/>
+              <a:t>End at </a:t>
+            </a:r>
+            <a:r>
+              <a:rPr lang="de-DE" dirty="0" err="1"/>
+              <a:t>less</a:t>
+            </a:r>
+            <a:r>
+              <a:rPr lang="de-DE" dirty="0"/>
+              <a:t> </a:t>
+            </a:r>
+            <a:r>
+              <a:rPr lang="de-DE" dirty="0" err="1"/>
+              <a:t>than</a:t>
+            </a:r>
+            <a:r>
+              <a:rPr lang="de-DE" dirty="0"/>
+              <a:t> 2 </a:t>
+            </a:r>
+            <a:r>
+              <a:rPr lang="de-DE" dirty="0" err="1"/>
+              <a:t>mins</a:t>
+            </a:r>
+            <a:r>
+              <a:rPr lang="de-DE" dirty="0"/>
+              <a:t> </a:t>
+            </a:r>
+            <a:r>
+              <a:rPr lang="de-DE" dirty="0" err="1"/>
+              <a:t>if</a:t>
+            </a:r>
+            <a:r>
+              <a:rPr lang="de-DE" dirty="0"/>
+              <a:t> possible</a:t>
+            </a:r>
           </a:p>
         </p:txBody>
       </p:sp>
@@ -2764,7 +2852,10 @@
           <a:bodyPr/>
           <a:lstStyle/>
           <a:p>
-            <a:endParaRPr lang="de-DE" dirty="0"/>
+            <a:r>
+              <a:rPr lang="de-DE" dirty="0"/>
+              <a:t>Bisschen über 5 min am Ende dieser Folie</a:t>
+            </a:r>
           </a:p>
         </p:txBody>
       </p:sp>
@@ -2854,6 +2945,58 @@
           <a:bodyPr/>
           <a:lstStyle/>
           <a:p>
+            <a:r>
+              <a:rPr lang="de-DE" dirty="0" err="1"/>
+              <a:t>Excessivley</a:t>
+            </a:r>
+            <a:r>
+              <a:rPr lang="de-DE" dirty="0"/>
+              <a:t> high FP, </a:t>
+            </a:r>
+            <a:r>
+              <a:rPr lang="de-DE" dirty="0" err="1"/>
+              <a:t>seems</a:t>
+            </a:r>
+            <a:r>
+              <a:rPr lang="de-DE" dirty="0"/>
+              <a:t> to just </a:t>
+            </a:r>
+            <a:r>
+              <a:rPr lang="de-DE" dirty="0" err="1"/>
+              <a:t>classify</a:t>
+            </a:r>
+            <a:r>
+              <a:rPr lang="de-DE" dirty="0"/>
+              <a:t> </a:t>
+            </a:r>
+            <a:r>
+              <a:rPr lang="de-DE" dirty="0" err="1"/>
+              <a:t>most</a:t>
+            </a:r>
+            <a:r>
+              <a:rPr lang="de-DE" dirty="0"/>
+              <a:t> </a:t>
+            </a:r>
+            <a:r>
+              <a:rPr lang="de-DE" dirty="0" err="1"/>
+              <a:t>rows</a:t>
+            </a:r>
+            <a:r>
+              <a:rPr lang="de-DE" dirty="0"/>
+              <a:t> </a:t>
+            </a:r>
+            <a:r>
+              <a:rPr lang="de-DE" dirty="0" err="1"/>
+              <a:t>as</a:t>
+            </a:r>
+            <a:r>
+              <a:rPr lang="de-DE" dirty="0"/>
+              <a:t> </a:t>
+            </a:r>
+            <a:r>
+              <a:rPr lang="de-DE" dirty="0" err="1"/>
+              <a:t>ironic</a:t>
+            </a:r>
             <a:endParaRPr lang="de-DE" dirty="0"/>
           </a:p>
         </p:txBody>
@@ -3034,7 +3177,34 @@
           <a:bodyPr/>
           <a:lstStyle/>
           <a:p>
-            <a:endParaRPr lang="de-DE" dirty="0"/>
+            <a:r>
+              <a:rPr lang="de-DE" dirty="0"/>
+              <a:t>End at </a:t>
+            </a:r>
+            <a:r>
+              <a:rPr lang="de-DE" dirty="0" err="1"/>
+              <a:t>around</a:t>
+            </a:r>
+            <a:r>
+              <a:rPr lang="de-DE" dirty="0"/>
+              <a:t> 8 </a:t>
+            </a:r>
+            <a:r>
+              <a:rPr lang="de-DE" dirty="0" err="1"/>
+              <a:t>minutes</a:t>
+            </a:r>
+            <a:r>
+              <a:rPr lang="de-DE" dirty="0"/>
+              <a:t> </a:t>
+            </a:r>
+            <a:r>
+              <a:rPr lang="de-DE" dirty="0" err="1"/>
+              <a:t>if</a:t>
+            </a:r>
+            <a:r>
+              <a:rPr lang="de-DE" dirty="0"/>
+              <a:t> possible!!</a:t>
+            </a:r>
           </a:p>
         </p:txBody>
       </p:sp>
@@ -3613,7 +3783,7 @@
             <a:fld id="{D0E1FCD0-22DB-48A4-B5C5-6EBEA09774FA}" type="datetime4">
               <a:rPr lang="en-GB" smtClean="0"/>
               <a:pPr/>
-              <a:t>02 October 2024</a:t>
+              <a:t>03 October 2024</a:t>
             </a:fld>
             <a:endParaRPr lang="en-GB" dirty="0"/>
           </a:p>
@@ -4125,7 +4295,7 @@
             <a:fld id="{D0E1FCD0-22DB-48A4-B5C5-6EBEA09774FA}" type="datetime4">
               <a:rPr lang="en-GB" smtClean="0"/>
               <a:pPr/>
-              <a:t>02 October 2024</a:t>
+              <a:t>03 October 2024</a:t>
             </a:fld>
             <a:endParaRPr lang="en-GB" dirty="0"/>
           </a:p>
@@ -4637,7 +4807,7 @@
             <a:fld id="{D0E1FCD0-22DB-48A4-B5C5-6EBEA09774FA}" type="datetime4">
               <a:rPr lang="en-GB" smtClean="0"/>
               <a:pPr/>
-              <a:t>02 October 2024</a:t>
+              <a:t>03 October 2024</a:t>
             </a:fld>
             <a:endParaRPr lang="en-GB" dirty="0"/>
           </a:p>
@@ -4962,7 +5132,7 @@
             <a:fld id="{D0E1FCD0-22DB-48A4-B5C5-6EBEA09774FA}" type="datetime4">
               <a:rPr lang="en-GB" smtClean="0"/>
               <a:pPr/>
-              <a:t>02 October 2024</a:t>
+              <a:t>03 October 2024</a:t>
             </a:fld>
             <a:endParaRPr lang="en-GB" dirty="0"/>
           </a:p>
@@ -5430,7 +5600,7 @@
             <a:fld id="{D0E1FCD0-22DB-48A4-B5C5-6EBEA09774FA}" type="datetime4">
               <a:rPr lang="en-GB" smtClean="0"/>
               <a:pPr/>
-              <a:t>02 October 2024</a:t>
+              <a:t>03 October 2024</a:t>
             </a:fld>
             <a:endParaRPr lang="en-GB" dirty="0"/>
           </a:p>
@@ -5714,7 +5884,7 @@
             <a:fld id="{D0E1FCD0-22DB-48A4-B5C5-6EBEA09774FA}" type="datetime4">
               <a:rPr lang="en-GB" smtClean="0"/>
               <a:pPr/>
-              <a:t>02 October 2024</a:t>
+              <a:t>03 October 2024</a:t>
             </a:fld>
             <a:endParaRPr lang="en-GB" dirty="0"/>
           </a:p>
@@ -6072,7 +6242,7 @@
             <a:fld id="{D0E1FCD0-22DB-48A4-B5C5-6EBEA09774FA}" type="datetime4">
               <a:rPr lang="en-GB" smtClean="0"/>
               <a:pPr/>
-              <a:t>02 October 2024</a:t>
+              <a:t>03 October 2024</a:t>
             </a:fld>
             <a:endParaRPr lang="en-GB" dirty="0"/>
           </a:p>
@@ -6467,7 +6637,7 @@
             <a:fld id="{D0E1FCD0-22DB-48A4-B5C5-6EBEA09774FA}" type="datetime4">
               <a:rPr lang="en-GB" smtClean="0"/>
               <a:pPr/>
-              <a:t>02 October 2024</a:t>
+              <a:t>03 October 2024</a:t>
             </a:fld>
             <a:endParaRPr lang="en-GB" dirty="0"/>
           </a:p>
@@ -6855,7 +7025,7 @@
             <a:fld id="{D0E1FCD0-22DB-48A4-B5C5-6EBEA09774FA}" type="datetime4">
               <a:rPr lang="en-GB" smtClean="0"/>
               <a:pPr/>
-              <a:t>02 October 2024</a:t>
+              <a:t>03 October 2024</a:t>
             </a:fld>
             <a:endParaRPr lang="en-GB" dirty="0"/>
           </a:p>
@@ -7250,7 +7420,7 @@
             <a:fld id="{D0E1FCD0-22DB-48A4-B5C5-6EBEA09774FA}" type="datetime4">
               <a:rPr lang="en-GB" smtClean="0"/>
               <a:pPr/>
-              <a:t>02 October 2024</a:t>
+              <a:t>03 October 2024</a:t>
             </a:fld>
             <a:endParaRPr lang="en-GB" dirty="0"/>
           </a:p>
@@ -7601,7 +7771,7 @@
             <a:fld id="{D0E1FCD0-22DB-48A4-B5C5-6EBEA09774FA}" type="datetime4">
               <a:rPr lang="en-GB" smtClean="0"/>
               <a:pPr/>
-              <a:t>02 October 2024</a:t>
+              <a:t>03 October 2024</a:t>
             </a:fld>
             <a:endParaRPr lang="en-GB" dirty="0"/>
           </a:p>
@@ -8042,7 +8212,7 @@
             <a:fld id="{D0E1FCD0-22DB-48A4-B5C5-6EBEA09774FA}" type="datetime4">
               <a:rPr lang="en-GB" smtClean="0"/>
               <a:pPr/>
-              <a:t>02 October 2024</a:t>
+              <a:t>03 October 2024</a:t>
             </a:fld>
             <a:endParaRPr lang="en-GB" dirty="0"/>
           </a:p>
@@ -8437,7 +8607,7 @@
             <a:fld id="{D0E1FCD0-22DB-48A4-B5C5-6EBEA09774FA}" type="datetime4">
               <a:rPr lang="en-GB" smtClean="0"/>
               <a:pPr/>
-              <a:t>02 October 2024</a:t>
+              <a:t>03 October 2024</a:t>
             </a:fld>
             <a:endParaRPr lang="en-GB" dirty="0"/>
           </a:p>
@@ -8844,7 +9014,7 @@
             <a:fld id="{D0E1FCD0-22DB-48A4-B5C5-6EBEA09774FA}" type="datetime4">
               <a:rPr lang="en-GB" smtClean="0"/>
               <a:pPr/>
-              <a:t>02 October 2024</a:t>
+              <a:t>03 October 2024</a:t>
             </a:fld>
             <a:endParaRPr lang="en-GB" dirty="0"/>
           </a:p>
@@ -9310,7 +9480,7 @@
             <a:fld id="{D0E1FCD0-22DB-48A4-B5C5-6EBEA09774FA}" type="datetime4">
               <a:rPr lang="en-GB" smtClean="0"/>
               <a:pPr/>
-              <a:t>02 October 2024</a:t>
+              <a:t>03 October 2024</a:t>
             </a:fld>
             <a:endParaRPr lang="en-GB" dirty="0"/>
           </a:p>
@@ -10211,7 +10381,7 @@
             <a:fld id="{D0E1FCD0-22DB-48A4-B5C5-6EBEA09774FA}" type="datetime4">
               <a:rPr lang="en-GB" smtClean="0"/>
               <a:pPr/>
-              <a:t>02 October 2024</a:t>
+              <a:t>03 October 2024</a:t>
             </a:fld>
             <a:endParaRPr lang="en-GB" dirty="0"/>
           </a:p>
@@ -10646,7 +10816,7 @@
             <a:fld id="{D0E1FCD0-22DB-48A4-B5C5-6EBEA09774FA}" type="datetime4">
               <a:rPr lang="en-GB" smtClean="0"/>
               <a:pPr/>
-              <a:t>02 October 2024</a:t>
+              <a:t>03 October 2024</a:t>
             </a:fld>
             <a:endParaRPr lang="en-GB" dirty="0"/>
           </a:p>
@@ -11189,7 +11359,7 @@
             <a:fld id="{D0E1FCD0-22DB-48A4-B5C5-6EBEA09774FA}" type="datetime4">
               <a:rPr lang="en-GB" smtClean="0"/>
               <a:pPr/>
-              <a:t>02 October 2024</a:t>
+              <a:t>03 October 2024</a:t>
             </a:fld>
             <a:endParaRPr lang="en-GB" dirty="0"/>
           </a:p>
@@ -11764,7 +11934,7 @@
             <a:fld id="{D0E1FCD0-22DB-48A4-B5C5-6EBEA09774FA}" type="datetime4">
               <a:rPr lang="en-GB" smtClean="0"/>
               <a:pPr/>
-              <a:t>02 October 2024</a:t>
+              <a:t>03 October 2024</a:t>
             </a:fld>
             <a:endParaRPr lang="en-GB" dirty="0"/>
           </a:p>
@@ -12339,7 +12509,7 @@
             <a:fld id="{D0E1FCD0-22DB-48A4-B5C5-6EBEA09774FA}" type="datetime4">
               <a:rPr lang="en-GB" smtClean="0"/>
               <a:pPr/>
-              <a:t>02 October 2024</a:t>
+              <a:t>03 October 2024</a:t>
             </a:fld>
             <a:endParaRPr lang="en-GB" dirty="0"/>
           </a:p>
@@ -12609,7 +12779,7 @@
             <a:fld id="{D0E1FCD0-22DB-48A4-B5C5-6EBEA09774FA}" type="datetime4">
               <a:rPr lang="en-GB" smtClean="0"/>
               <a:pPr/>
-              <a:t>02 October 2024</a:t>
+              <a:t>03 October 2024</a:t>
             </a:fld>
             <a:endParaRPr lang="en-GB" dirty="0"/>
           </a:p>
@@ -29916,7 +30086,7 @@
             </a:pPr>
             <a:r>
               <a:rPr lang="en-GB" kern="0" dirty="0"/>
-              <a:t>Only the term “irony” in this paper and presentation</a:t>
+              <a:t>Only using the term “irony”</a:t>
             </a:r>
           </a:p>
         </p:txBody>
@@ -30582,7 +30752,7 @@
             </a:pPr>
             <a:r>
               <a:rPr lang="en-GB" kern="0" dirty="0"/>
-              <a:t>Relevant paper, especially for GPT-4 analysis!</a:t>
+              <a:t>Relevant, especially for GPT-4 analysis!</a:t>
             </a:r>
           </a:p>
         </p:txBody>
@@ -31112,7 +31282,7 @@
         </p:nvSpPr>
         <p:spPr>
           <a:xfrm>
-            <a:off x="179512" y="1237688"/>
+            <a:off x="179512" y="1412776"/>
             <a:ext cx="8424863" cy="4654001"/>
           </a:xfrm>
         </p:spPr>
@@ -31176,12 +31346,24 @@
           </a:p>
           <a:p>
             <a:r>
+              <a:rPr lang="en-GB" noProof="0" dirty="0"/>
+              <a:t>Main dataset </a:t>
+            </a:r>
+            <a:r>
+              <a:rPr lang="en-GB" dirty="0"/>
+              <a:t>–</a:t>
+            </a:r>
+            <a:r>
+              <a:rPr lang="en-GB" noProof="0" dirty="0"/>
+              <a:t> </a:t>
+            </a:r>
+            <a:r>
               <a:rPr lang="en-GB" noProof="0" dirty="0" err="1"/>
               <a:t>SemEval</a:t>
             </a:r>
             <a:r>
               <a:rPr lang="en-GB" dirty="0"/>
-              <a:t>-2018 Irony Detection task set – balanced</a:t>
+              <a:t>-2018 task 3 set (tweets, balanced)</a:t>
             </a:r>
           </a:p>
           <a:p>
@@ -31202,6 +31384,13 @@
             <a:r>
               <a:rPr lang="en-GB" dirty="0"/>
               <a:t>Manual dataset – created from tweets and slightly pre-processed</a:t>
+            </a:r>
+            <a:br>
+              <a:rPr lang="en-GB" dirty="0"/>
+            </a:br>
+            <a:r>
+              <a:rPr lang="en-GB" dirty="0"/>
+              <a:t>                             (balanced)</a:t>
             </a:r>
             <a:endParaRPr lang="en-GB" noProof="0" dirty="0"/>
           </a:p>
@@ -31723,7 +31912,7 @@
             </a:pPr>
             <a:r>
               <a:rPr lang="en-GB" noProof="0" dirty="0"/>
-              <a:t>Asking GPT to classify or label a tweet using different response formats depending on the prompt</a:t>
+              <a:t>Asking GPT to classify or label a row using different response formats depending on the prompt</a:t>
             </a:r>
           </a:p>
           <a:p>
@@ -32460,7 +32649,7 @@
           <a:p>
             <a:r>
               <a:rPr lang="en-GB" dirty="0"/>
-              <a:t>Sent Choice: Assigning one of multiple sentiment labels to a tweet</a:t>
+              <a:t>Sentiment Choice: Assigning one of multiple sentiment labels to an input</a:t>
             </a:r>
           </a:p>
         </p:txBody>
@@ -32481,7 +32670,7 @@
         </p:nvSpPr>
         <p:spPr>
           <a:xfrm>
-            <a:off x="187706" y="2708920"/>
+            <a:off x="179511" y="2955796"/>
             <a:ext cx="8424863" cy="3528392"/>
           </a:xfrm>
           <a:prstGeom prst="rect">
@@ -32638,7 +32827,7 @@
             </a:pPr>
             <a:r>
               <a:rPr lang="en-GB" kern="0" dirty="0"/>
-              <a:t>In addition, the binary prompt also had six sub prompts (prompt engineering).</a:t>
+              <a:t>In addition, the binary prompt also had six sub-prompts (prompt engineering).</a:t>
             </a:r>
           </a:p>
         </p:txBody>
@@ -34451,55 +34640,6 @@
             </a:pPr>
             <a:r>
               <a:rPr lang="en-US" i="1" dirty="0"/>
-              <a:t>well today is </a:t>
-            </a:r>
-            <a:r>
-              <a:rPr lang="en-US" i="1" dirty="0" err="1"/>
-              <a:t>gonna</a:t>
-            </a:r>
-            <a:r>
-              <a:rPr lang="en-US" i="1" dirty="0"/>
-              <a:t> be a great day </a:t>
-            </a:r>
-            <a:r>
-              <a:rPr lang="de-DE" dirty="0"/>
-              <a:t>👍</a:t>
-            </a:r>
-            <a:endParaRPr lang="en-US" dirty="0"/>
-          </a:p>
-          <a:p>
-            <a:pPr marL="0" indent="0">
-              <a:buNone/>
-            </a:pPr>
-            <a:r>
-              <a:rPr lang="en-US" noProof="0" dirty="0"/>
-              <a:t>Actual label: ironic. GPT-3.5: 9/10 non-</a:t>
-            </a:r>
-            <a:r>
-              <a:rPr lang="en-US" noProof="0" dirty="0" err="1"/>
-              <a:t>i</a:t>
-            </a:r>
-            <a:r>
-              <a:rPr lang="en-US" dirty="0" err="1"/>
-              <a:t>ronic</a:t>
-            </a:r>
-            <a:r>
-              <a:rPr lang="en-US" dirty="0"/>
-              <a:t> evaluations.</a:t>
-            </a:r>
-          </a:p>
-          <a:p>
-            <a:pPr marL="0" indent="0">
-              <a:buNone/>
-            </a:pPr>
-            <a:endParaRPr lang="en-US" dirty="0"/>
-          </a:p>
-          <a:p>
-            <a:pPr marL="0" indent="0" algn="ctr">
-              <a:buNone/>
-            </a:pPr>
-            <a:r>
-              <a:rPr lang="en-US" i="1" dirty="0"/>
               <a:t>I refuse to be weak... #workout #motivation #fitfam</a:t>
             </a:r>
           </a:p>
@@ -34806,104 +34946,6 @@
                                           <p:spTgt spid="9">
                                             <p:txEl>
                                               <p:pRg st="7" end="7"/>
-                                            </p:txEl>
-                                          </p:spTgt>
-                                        </p:tgtEl>
-                                        <p:attrNameLst>
-                                          <p:attrName>style.visibility</p:attrName>
-                                        </p:attrNameLst>
-                                      </p:cBhvr>
-                                      <p:to>
-                                        <p:strVal val="visible"/>
-                                      </p:to>
-                                    </p:set>
-                                  </p:childTnLst>
-                                </p:cTn>
-                              </p:par>
-                            </p:childTnLst>
-                          </p:cTn>
-                        </p:par>
-                      </p:childTnLst>
-                    </p:cTn>
-                  </p:par>
-                  <p:par>
-                    <p:cTn id="27" fill="hold">
-                      <p:stCondLst>
-                        <p:cond delay="indefinite"/>
-                      </p:stCondLst>
-                      <p:childTnLst>
-                        <p:par>
-                          <p:cTn id="28" fill="hold">
-                            <p:stCondLst>
-                              <p:cond delay="0"/>
-                            </p:stCondLst>
-                            <p:childTnLst>
-                              <p:par>
-                                <p:cTn id="29" presetID="1" presetClass="entr" presetSubtype="0" fill="hold" nodeType="clickEffect">
-                                  <p:stCondLst>
-                                    <p:cond delay="0"/>
-                                  </p:stCondLst>
-                                  <p:childTnLst>
-                                    <p:set>
-                                      <p:cBhvr>
-                                        <p:cTn id="30" dur="1" fill="hold">
-                                          <p:stCondLst>
-                                            <p:cond delay="0"/>
-                                          </p:stCondLst>
-                                        </p:cTn>
-                                        <p:tgtEl>
-                                          <p:spTgt spid="9">
-                                            <p:txEl>
-                                              <p:pRg st="9" end="9"/>
-                                            </p:txEl>
-                                          </p:spTgt>
-                                        </p:tgtEl>
-                                        <p:attrNameLst>
-                                          <p:attrName>style.visibility</p:attrName>
-                                        </p:attrNameLst>
-                                      </p:cBhvr>
-                                      <p:to>
-                                        <p:strVal val="visible"/>
-                                      </p:to>
-                                    </p:set>
-                                  </p:childTnLst>
-                                </p:cTn>
-                              </p:par>
-                            </p:childTnLst>
-                          </p:cTn>
-                        </p:par>
-                      </p:childTnLst>
-                    </p:cTn>
-                  </p:par>
-                  <p:par>
-                    <p:cTn id="31" fill="hold">
-                      <p:stCondLst>
-                        <p:cond delay="indefinite"/>
-                      </p:stCondLst>
-                      <p:childTnLst>
-                        <p:par>
-                          <p:cTn id="32" fill="hold">
-                            <p:stCondLst>
-                              <p:cond delay="0"/>
-                            </p:stCondLst>
-                            <p:childTnLst>
-                              <p:par>
-                                <p:cTn id="33" presetID="1" presetClass="entr" presetSubtype="0" fill="hold" nodeType="clickEffect">
-                                  <p:stCondLst>
-                                    <p:cond delay="0"/>
-                                  </p:stCondLst>
-                                  <p:childTnLst>
-                                    <p:set>
-                                      <p:cBhvr>
-                                        <p:cTn id="34" dur="1" fill="hold">
-                                          <p:stCondLst>
-                                            <p:cond delay="0"/>
-                                          </p:stCondLst>
-                                        </p:cTn>
-                                        <p:tgtEl>
-                                          <p:spTgt spid="9">
-                                            <p:txEl>
-                                              <p:pRg st="10" end="10"/>
                                             </p:txEl>
                                           </p:spTgt>
                                         </p:tgtEl>

--- a/Writing/Präsentation - Kopie.pptx
+++ b/Writing/Präsentation - Kopie.pptx
@@ -20621,6 +20621,9 @@
                     <p:cTn id="3" fill="hold">
                       <p:stCondLst>
                         <p:cond delay="indefinite"/>
+                        <p:cond evt="onBegin" delay="0">
+                          <p:tn val="2"/>
+                        </p:cond>
                       </p:stCondLst>
                       <p:childTnLst>
                         <p:par>
@@ -20630,7 +20633,7 @@
                             </p:stCondLst>
                             <p:childTnLst>
                               <p:par>
-                                <p:cTn id="5" presetID="1" presetClass="entr" presetSubtype="0" fill="hold" nodeType="clickEffect">
+                                <p:cTn id="5" presetID="1" presetClass="entr" presetSubtype="0" fill="hold" nodeType="withEffect">
                                   <p:stCondLst>
                                     <p:cond delay="0"/>
                                   </p:stCondLst>
@@ -20660,33 +20663,15 @@
                                   </p:childTnLst>
                                 </p:cTn>
                               </p:par>
-                            </p:childTnLst>
-                          </p:cTn>
-                        </p:par>
-                      </p:childTnLst>
-                    </p:cTn>
-                  </p:par>
-                  <p:par>
-                    <p:cTn id="7" fill="hold">
-                      <p:stCondLst>
-                        <p:cond delay="indefinite"/>
-                      </p:stCondLst>
-                      <p:childTnLst>
-                        <p:par>
-                          <p:cTn id="8" fill="hold">
-                            <p:stCondLst>
-                              <p:cond delay="0"/>
-                            </p:stCondLst>
-                            <p:childTnLst>
                               <p:par>
-                                <p:cTn id="9" presetID="1" presetClass="entr" presetSubtype="0" fill="hold" nodeType="clickEffect">
+                                <p:cTn id="7" presetID="1" presetClass="entr" presetSubtype="0" fill="hold" nodeType="withEffect">
                                   <p:stCondLst>
                                     <p:cond delay="0"/>
                                   </p:stCondLst>
                                   <p:childTnLst>
                                     <p:set>
                                       <p:cBhvr>
-                                        <p:cTn id="10" dur="1" fill="hold">
+                                        <p:cTn id="8" dur="1" fill="hold">
                                           <p:stCondLst>
                                             <p:cond delay="0"/>
                                           </p:stCondLst>
@@ -20716,26 +20701,26 @@
                     </p:cTn>
                   </p:par>
                   <p:par>
-                    <p:cTn id="11" fill="hold">
+                    <p:cTn id="9" fill="hold">
                       <p:stCondLst>
                         <p:cond delay="indefinite"/>
                       </p:stCondLst>
                       <p:childTnLst>
                         <p:par>
-                          <p:cTn id="12" fill="hold">
+                          <p:cTn id="10" fill="hold">
                             <p:stCondLst>
                               <p:cond delay="0"/>
                             </p:stCondLst>
                             <p:childTnLst>
                               <p:par>
-                                <p:cTn id="13" presetID="1" presetClass="entr" presetSubtype="0" fill="hold" nodeType="clickEffect">
+                                <p:cTn id="11" presetID="1" presetClass="entr" presetSubtype="0" fill="hold" nodeType="clickEffect">
                                   <p:stCondLst>
                                     <p:cond delay="0"/>
                                   </p:stCondLst>
                                   <p:childTnLst>
                                     <p:set>
                                       <p:cBhvr>
-                                        <p:cTn id="14" dur="1" fill="hold">
+                                        <p:cTn id="12" dur="1" fill="hold">
                                           <p:stCondLst>
                                             <p:cond delay="0"/>
                                           </p:stCondLst>
@@ -20759,14 +20744,14 @@
                                 </p:cTn>
                               </p:par>
                               <p:par>
-                                <p:cTn id="15" presetID="1" presetClass="entr" presetSubtype="0" fill="hold" nodeType="withEffect">
+                                <p:cTn id="13" presetID="1" presetClass="entr" presetSubtype="0" fill="hold" nodeType="withEffect">
                                   <p:stCondLst>
                                     <p:cond delay="0"/>
                                   </p:stCondLst>
                                   <p:childTnLst>
                                     <p:set>
                                       <p:cBhvr>
-                                        <p:cTn id="16" dur="1" fill="hold">
+                                        <p:cTn id="14" dur="1" fill="hold">
                                           <p:stCondLst>
                                             <p:cond delay="0"/>
                                           </p:stCondLst>
@@ -20796,26 +20781,26 @@
                     </p:cTn>
                   </p:par>
                   <p:par>
-                    <p:cTn id="17" fill="hold">
+                    <p:cTn id="15" fill="hold">
                       <p:stCondLst>
                         <p:cond delay="indefinite"/>
                       </p:stCondLst>
                       <p:childTnLst>
                         <p:par>
-                          <p:cTn id="18" fill="hold">
+                          <p:cTn id="16" fill="hold">
                             <p:stCondLst>
                               <p:cond delay="0"/>
                             </p:stCondLst>
                             <p:childTnLst>
                               <p:par>
-                                <p:cTn id="19" presetID="1" presetClass="entr" presetSubtype="0" fill="hold" nodeType="clickEffect">
+                                <p:cTn id="17" presetID="1" presetClass="entr" presetSubtype="0" fill="hold" nodeType="clickEffect">
                                   <p:stCondLst>
                                     <p:cond delay="0"/>
                                   </p:stCondLst>
                                   <p:childTnLst>
                                     <p:set>
                                       <p:cBhvr>
-                                        <p:cTn id="20" dur="1" fill="hold">
+                                        <p:cTn id="18" dur="1" fill="hold">
                                           <p:stCondLst>
                                             <p:cond delay="0"/>
                                           </p:stCondLst>
@@ -20839,14 +20824,14 @@
                                 </p:cTn>
                               </p:par>
                               <p:par>
-                                <p:cTn id="21" presetID="1" presetClass="entr" presetSubtype="0" fill="hold" nodeType="withEffect">
+                                <p:cTn id="19" presetID="1" presetClass="entr" presetSubtype="0" fill="hold" nodeType="withEffect">
                                   <p:stCondLst>
                                     <p:cond delay="0"/>
                                   </p:stCondLst>
                                   <p:childTnLst>
                                     <p:set>
                                       <p:cBhvr>
-                                        <p:cTn id="22" dur="1" fill="hold">
+                                        <p:cTn id="20" dur="1" fill="hold">
                                           <p:stCondLst>
                                             <p:cond delay="0"/>
                                           </p:stCondLst>
@@ -20876,26 +20861,26 @@
                     </p:cTn>
                   </p:par>
                   <p:par>
-                    <p:cTn id="23" fill="hold">
+                    <p:cTn id="21" fill="hold">
                       <p:stCondLst>
                         <p:cond delay="indefinite"/>
                       </p:stCondLst>
                       <p:childTnLst>
                         <p:par>
-                          <p:cTn id="24" fill="hold">
+                          <p:cTn id="22" fill="hold">
                             <p:stCondLst>
                               <p:cond delay="0"/>
                             </p:stCondLst>
                             <p:childTnLst>
                               <p:par>
-                                <p:cTn id="25" presetID="1" presetClass="entr" presetSubtype="0" fill="hold" nodeType="clickEffect">
+                                <p:cTn id="23" presetID="1" presetClass="entr" presetSubtype="0" fill="hold" nodeType="clickEffect">
                                   <p:stCondLst>
                                     <p:cond delay="0"/>
                                   </p:stCondLst>
                                   <p:childTnLst>
                                     <p:set>
                                       <p:cBhvr>
-                                        <p:cTn id="26" dur="1" fill="hold">
+                                        <p:cTn id="24" dur="1" fill="hold">
                                           <p:stCondLst>
                                             <p:cond delay="0"/>
                                           </p:stCondLst>
@@ -20919,14 +20904,14 @@
                                 </p:cTn>
                               </p:par>
                               <p:par>
-                                <p:cTn id="27" presetID="1" presetClass="entr" presetSubtype="0" fill="hold" nodeType="withEffect">
+                                <p:cTn id="25" presetID="1" presetClass="entr" presetSubtype="0" fill="hold" nodeType="withEffect">
                                   <p:stCondLst>
                                     <p:cond delay="0"/>
                                   </p:stCondLst>
                                   <p:childTnLst>
                                     <p:set>
                                       <p:cBhvr>
-                                        <p:cTn id="28" dur="1" fill="hold">
+                                        <p:cTn id="26" dur="1" fill="hold">
                                           <p:stCondLst>
                                             <p:cond delay="0"/>
                                           </p:stCondLst>
@@ -20956,26 +20941,26 @@
                     </p:cTn>
                   </p:par>
                   <p:par>
-                    <p:cTn id="29" fill="hold">
+                    <p:cTn id="27" fill="hold">
                       <p:stCondLst>
                         <p:cond delay="indefinite"/>
                       </p:stCondLst>
                       <p:childTnLst>
                         <p:par>
-                          <p:cTn id="30" fill="hold">
+                          <p:cTn id="28" fill="hold">
                             <p:stCondLst>
                               <p:cond delay="0"/>
                             </p:stCondLst>
                             <p:childTnLst>
                               <p:par>
-                                <p:cTn id="31" presetID="1" presetClass="entr" presetSubtype="0" fill="hold" grpId="0" nodeType="clickEffect">
+                                <p:cTn id="29" presetID="1" presetClass="entr" presetSubtype="0" fill="hold" grpId="0" nodeType="clickEffect">
                                   <p:stCondLst>
                                     <p:cond delay="0"/>
                                   </p:stCondLst>
                                   <p:childTnLst>
                                     <p:set>
                                       <p:cBhvr>
-                                        <p:cTn id="32" dur="1" fill="hold">
+                                        <p:cTn id="30" dur="1" fill="hold">
                                           <p:stCondLst>
                                             <p:cond delay="0"/>
                                           </p:stCondLst>
@@ -20995,14 +20980,14 @@
                                 </p:cTn>
                               </p:par>
                               <p:par>
-                                <p:cTn id="33" presetID="1" presetClass="entr" presetSubtype="0" fill="hold" grpId="0" nodeType="withEffect">
+                                <p:cTn id="31" presetID="1" presetClass="entr" presetSubtype="0" fill="hold" grpId="0" nodeType="withEffect">
                                   <p:stCondLst>
                                     <p:cond delay="0"/>
                                   </p:stCondLst>
                                   <p:childTnLst>
                                     <p:set>
                                       <p:cBhvr>
-                                        <p:cTn id="34" dur="1" fill="hold">
+                                        <p:cTn id="32" dur="1" fill="hold">
                                           <p:stCondLst>
                                             <p:cond delay="0"/>
                                           </p:stCondLst>
@@ -32631,7 +32616,7 @@
           <a:p>
             <a:r>
               <a:rPr lang="en-GB" dirty="0"/>
-              <a:t>Binary (seen before)</a:t>
+              <a:t>Main/Binary (seen before)</a:t>
             </a:r>
           </a:p>
           <a:p>
